--- a/2주차/SBS게임아카데미_UNITY주말4개월_2주차.pptx
+++ b/2주차/SBS게임아카데미_UNITY주말4개월_2주차.pptx
@@ -899,7 +899,7 @@
           <a:p>
             <a:fld id="{5A6BA732-F4BF-43BE-942E-A1FE0FE16617}" type="slidenum">
               <a:rPr lang="ko-KR" altLang="en-US" smtClean="0"/>
-              <a:t>37</a:t>
+              <a:t>35</a:t>
             </a:fld>
             <a:endParaRPr lang="ko-KR" altLang="en-US" dirty="0"/>
           </a:p>
@@ -908,7 +908,7 @@
     </p:spTree>
     <p:extLst>
       <p:ext uri="{BB962C8B-B14F-4D97-AF65-F5344CB8AC3E}">
-        <p14:creationId xmlns:p14="http://schemas.microsoft.com/office/powerpoint/2010/main" val="677010992"/>
+        <p14:creationId xmlns:p14="http://schemas.microsoft.com/office/powerpoint/2010/main" val="190554704"/>
       </p:ext>
     </p:extLst>
   </p:cSld>
@@ -983,7 +983,7 @@
           <a:p>
             <a:fld id="{5A6BA732-F4BF-43BE-942E-A1FE0FE16617}" type="slidenum">
               <a:rPr lang="ko-KR" altLang="en-US" smtClean="0"/>
-              <a:t>40</a:t>
+              <a:t>37</a:t>
             </a:fld>
             <a:endParaRPr lang="ko-KR" altLang="en-US" dirty="0"/>
           </a:p>
@@ -992,7 +992,7 @@
     </p:spTree>
     <p:extLst>
       <p:ext uri="{BB962C8B-B14F-4D97-AF65-F5344CB8AC3E}">
-        <p14:creationId xmlns:p14="http://schemas.microsoft.com/office/powerpoint/2010/main" val="1742735791"/>
+        <p14:creationId xmlns:p14="http://schemas.microsoft.com/office/powerpoint/2010/main" val="677010992"/>
       </p:ext>
     </p:extLst>
   </p:cSld>
@@ -1067,6 +1067,90 @@
           <a:p>
             <a:fld id="{5A6BA732-F4BF-43BE-942E-A1FE0FE16617}" type="slidenum">
               <a:rPr lang="ko-KR" altLang="en-US" smtClean="0"/>
+              <a:t>40</a:t>
+            </a:fld>
+            <a:endParaRPr lang="ko-KR" altLang="en-US" dirty="0"/>
+          </a:p>
+        </p:txBody>
+      </p:sp>
+    </p:spTree>
+    <p:extLst>
+      <p:ext uri="{BB962C8B-B14F-4D97-AF65-F5344CB8AC3E}">
+        <p14:creationId xmlns:p14="http://schemas.microsoft.com/office/powerpoint/2010/main" val="1742735791"/>
+      </p:ext>
+    </p:extLst>
+  </p:cSld>
+  <p:clrMapOvr>
+    <a:masterClrMapping/>
+  </p:clrMapOvr>
+</p:notes>
+</file>
+
+<file path=ppt/notesSlides/notesSlide13.xml><?xml version="1.0" encoding="utf-8"?>
+<p:notes xmlns:a="http://schemas.openxmlformats.org/drawingml/2006/main" xmlns:r="http://schemas.openxmlformats.org/officeDocument/2006/relationships" xmlns:p="http://schemas.openxmlformats.org/presentationml/2006/main">
+  <p:cSld>
+    <p:spTree>
+      <p:nvGrpSpPr>
+        <p:cNvPr id="1" name=""/>
+        <p:cNvGrpSpPr/>
+        <p:nvPr/>
+      </p:nvGrpSpPr>
+      <p:grpSpPr>
+        <a:xfrm>
+          <a:off x="0" y="0"/>
+          <a:ext cx="0" cy="0"/>
+          <a:chOff x="0" y="0"/>
+          <a:chExt cx="0" cy="0"/>
+        </a:xfrm>
+      </p:grpSpPr>
+      <p:sp>
+        <p:nvSpPr>
+          <p:cNvPr id="2" name="슬라이드 이미지 개체 틀 1"/>
+          <p:cNvSpPr>
+            <a:spLocks noGrp="1" noRot="1" noChangeAspect="1"/>
+          </p:cNvSpPr>
+          <p:nvPr>
+            <p:ph type="sldImg"/>
+          </p:nvPr>
+        </p:nvSpPr>
+        <p:spPr/>
+      </p:sp>
+      <p:sp>
+        <p:nvSpPr>
+          <p:cNvPr id="3" name="슬라이드 노트 개체 틀 2"/>
+          <p:cNvSpPr>
+            <a:spLocks noGrp="1"/>
+          </p:cNvSpPr>
+          <p:nvPr>
+            <p:ph type="body" idx="1"/>
+          </p:nvPr>
+        </p:nvSpPr>
+        <p:spPr/>
+        <p:txBody>
+          <a:bodyPr/>
+          <a:lstStyle/>
+          <a:p>
+            <a:endParaRPr lang="ko-KR" altLang="en-US" dirty="0"/>
+          </a:p>
+        </p:txBody>
+      </p:sp>
+      <p:sp>
+        <p:nvSpPr>
+          <p:cNvPr id="4" name="슬라이드 번호 개체 틀 3"/>
+          <p:cNvSpPr>
+            <a:spLocks noGrp="1"/>
+          </p:cNvSpPr>
+          <p:nvPr>
+            <p:ph type="sldNum" sz="quarter" idx="5"/>
+          </p:nvPr>
+        </p:nvSpPr>
+        <p:spPr/>
+        <p:txBody>
+          <a:bodyPr/>
+          <a:lstStyle/>
+          <a:p>
+            <a:fld id="{5A6BA732-F4BF-43BE-942E-A1FE0FE16617}" type="slidenum">
+              <a:rPr lang="ko-KR" altLang="en-US" smtClean="0"/>
               <a:t>47</a:t>
             </a:fld>
             <a:endParaRPr lang="ko-KR" altLang="en-US" dirty="0"/>
@@ -1086,7 +1170,7 @@
 </p:notes>
 </file>
 
-<file path=ppt/notesSlides/notesSlide13.xml><?xml version="1.0" encoding="utf-8"?>
+<file path=ppt/notesSlides/notesSlide14.xml><?xml version="1.0" encoding="utf-8"?>
 <p:notes xmlns:a="http://schemas.openxmlformats.org/drawingml/2006/main" xmlns:r="http://schemas.openxmlformats.org/officeDocument/2006/relationships" xmlns:p="http://schemas.openxmlformats.org/presentationml/2006/main">
   <p:cSld>
     <p:spTree>
@@ -1561,7 +1645,7 @@
             <a:spLocks noGrp="1"/>
           </p:cNvSpPr>
           <p:nvPr>
-            <p:ph type="sldNum" sz="quarter" idx="5"/>
+            <p:ph type="sldNum" sz="quarter" idx="10"/>
           </p:nvPr>
         </p:nvSpPr>
         <p:spPr/>
@@ -1571,7 +1655,7 @@
           <a:p>
             <a:fld id="{5A6BA732-F4BF-43BE-942E-A1FE0FE16617}" type="slidenum">
               <a:rPr lang="ko-KR" altLang="en-US" smtClean="0"/>
-              <a:t>19</a:t>
+              <a:t>18</a:t>
             </a:fld>
             <a:endParaRPr lang="ko-KR" altLang="en-US" dirty="0"/>
           </a:p>
@@ -1580,7 +1664,7 @@
     </p:spTree>
     <p:extLst>
       <p:ext uri="{BB962C8B-B14F-4D97-AF65-F5344CB8AC3E}">
-        <p14:creationId xmlns:p14="http://schemas.microsoft.com/office/powerpoint/2010/main" val="760886389"/>
+        <p14:creationId xmlns:p14="http://schemas.microsoft.com/office/powerpoint/2010/main" val="3971369040"/>
       </p:ext>
     </p:extLst>
   </p:cSld>
@@ -1655,7 +1739,7 @@
           <a:p>
             <a:fld id="{5A6BA732-F4BF-43BE-942E-A1FE0FE16617}" type="slidenum">
               <a:rPr lang="ko-KR" altLang="en-US" smtClean="0"/>
-              <a:t>23</a:t>
+              <a:t>19</a:t>
             </a:fld>
             <a:endParaRPr lang="ko-KR" altLang="en-US" dirty="0"/>
           </a:p>
@@ -1664,7 +1748,7 @@
     </p:spTree>
     <p:extLst>
       <p:ext uri="{BB962C8B-B14F-4D97-AF65-F5344CB8AC3E}">
-        <p14:creationId xmlns:p14="http://schemas.microsoft.com/office/powerpoint/2010/main" val="57927003"/>
+        <p14:creationId xmlns:p14="http://schemas.microsoft.com/office/powerpoint/2010/main" val="760886389"/>
       </p:ext>
     </p:extLst>
   </p:cSld>
@@ -1739,7 +1823,7 @@
           <a:p>
             <a:fld id="{5A6BA732-F4BF-43BE-942E-A1FE0FE16617}" type="slidenum">
               <a:rPr lang="ko-KR" altLang="en-US" smtClean="0"/>
-              <a:t>33</a:t>
+              <a:t>23</a:t>
             </a:fld>
             <a:endParaRPr lang="ko-KR" altLang="en-US" dirty="0"/>
           </a:p>
@@ -1748,7 +1832,7 @@
     </p:spTree>
     <p:extLst>
       <p:ext uri="{BB962C8B-B14F-4D97-AF65-F5344CB8AC3E}">
-        <p14:creationId xmlns:p14="http://schemas.microsoft.com/office/powerpoint/2010/main" val="3143759253"/>
+        <p14:creationId xmlns:p14="http://schemas.microsoft.com/office/powerpoint/2010/main" val="57927003"/>
       </p:ext>
     </p:extLst>
   </p:cSld>
@@ -1823,7 +1907,7 @@
           <a:p>
             <a:fld id="{5A6BA732-F4BF-43BE-942E-A1FE0FE16617}" type="slidenum">
               <a:rPr lang="ko-KR" altLang="en-US" smtClean="0"/>
-              <a:t>35</a:t>
+              <a:t>33</a:t>
             </a:fld>
             <a:endParaRPr lang="ko-KR" altLang="en-US" dirty="0"/>
           </a:p>
@@ -1832,7 +1916,7 @@
     </p:spTree>
     <p:extLst>
       <p:ext uri="{BB962C8B-B14F-4D97-AF65-F5344CB8AC3E}">
-        <p14:creationId xmlns:p14="http://schemas.microsoft.com/office/powerpoint/2010/main" val="190554704"/>
+        <p14:creationId xmlns:p14="http://schemas.microsoft.com/office/powerpoint/2010/main" val="3143759253"/>
       </p:ext>
     </p:extLst>
   </p:cSld>
@@ -5303,6 +5387,13 @@
   <p:clrMapOvr>
     <a:masterClrMapping/>
   </p:clrMapOvr>
+  <p:timing>
+    <p:tnLst>
+      <p:par>
+        <p:cTn id="1" dur="indefinite" restart="never" nodeType="tmRoot"/>
+      </p:par>
+    </p:tnLst>
+  </p:timing>
 </p:sld>
 </file>
 
@@ -6883,6 +6974,10 @@
               <a:rPr lang="ko-KR" altLang="en-US" dirty="0"/>
               <a:t>다른 외부 프로젝트에서 만들어진 기능들을 가져올 때 객체들끼리 이름이 중복이 될 수 있기 때문에</a:t>
             </a:r>
+            <a:r>
+              <a:rPr lang="en-US" altLang="ko-KR" dirty="0"/>
+              <a:t/>
+            </a:r>
             <a:br>
               <a:rPr lang="en-US" altLang="ko-KR" dirty="0"/>
             </a:br>
@@ -7063,6 +7158,10 @@
             <a:br>
               <a:rPr lang="en-US" altLang="ko-KR" sz="3200" dirty="0"/>
             </a:br>
+            <a:r>
+              <a:rPr lang="en-US" altLang="ko-KR" sz="3200" dirty="0"/>
+              <a:t/>
+            </a:r>
             <a:br>
               <a:rPr lang="en-US" altLang="ko-KR" sz="3200" dirty="0"/>
             </a:br>
@@ -7642,6 +7741,10 @@
             <a:r>
               <a:rPr lang="ko-KR" altLang="en-US" sz="2800" dirty="0"/>
               <a:t>메소드들</a:t>
+            </a:r>
+            <a:r>
+              <a:rPr lang="en-US" altLang="ko-KR" sz="2800" dirty="0"/>
+              <a:t/>
             </a:r>
             <a:br>
               <a:rPr lang="en-US" altLang="ko-KR" sz="2800" dirty="0"/>
@@ -10737,6 +10840,13 @@
   <p:clrMapOvr>
     <a:masterClrMapping/>
   </p:clrMapOvr>
+  <p:timing>
+    <p:tnLst>
+      <p:par>
+        <p:cTn id="1" dur="indefinite" restart="never" nodeType="tmRoot"/>
+      </p:par>
+    </p:tnLst>
+  </p:timing>
 </p:sld>
 </file>
 
@@ -10812,7 +10922,7 @@
           <p:nvPr/>
         </p:nvPicPr>
         <p:blipFill>
-          <a:blip r:embed="rId2">
+          <a:blip r:embed="rId3">
             <a:clrChange>
               <a:clrFrom>
                 <a:srgbClr val="FFFFFF"/>
@@ -10869,7 +10979,7 @@
           <p:nvPr/>
         </p:nvPicPr>
         <p:blipFill>
-          <a:blip r:embed="rId3">
+          <a:blip r:embed="rId4">
             <a:clrChange>
               <a:clrFrom>
                 <a:srgbClr val="FFFFFF"/>
@@ -10921,6 +11031,13 @@
   <p:clrMapOvr>
     <a:masterClrMapping/>
   </p:clrMapOvr>
+  <p:timing>
+    <p:tnLst>
+      <p:par>
+        <p:cTn id="1" dur="indefinite" restart="never" nodeType="tmRoot"/>
+      </p:par>
+    </p:tnLst>
+  </p:timing>
 </p:sld>
 </file>
 
@@ -13351,6 +13468,13 @@
   <p:clrMapOvr>
     <a:masterClrMapping/>
   </p:clrMapOvr>
+  <p:timing>
+    <p:tnLst>
+      <p:par>
+        <p:cTn id="1" dur="indefinite" restart="never" nodeType="tmRoot"/>
+      </p:par>
+    </p:tnLst>
+  </p:timing>
 </p:sld>
 </file>
 
@@ -13650,6 +13774,13 @@
   <p:clrMapOvr>
     <a:masterClrMapping/>
   </p:clrMapOvr>
+  <p:timing>
+    <p:tnLst>
+      <p:par>
+        <p:cTn id="1" dur="indefinite" restart="never" nodeType="tmRoot"/>
+      </p:par>
+    </p:tnLst>
+  </p:timing>
 </p:sld>
 </file>
 
@@ -13898,6 +14029,13 @@
   <p:clrMapOvr>
     <a:masterClrMapping/>
   </p:clrMapOvr>
+  <p:timing>
+    <p:tnLst>
+      <p:par>
+        <p:cTn id="1" dur="indefinite" restart="never" nodeType="tmRoot"/>
+      </p:par>
+    </p:tnLst>
+  </p:timing>
 </p:sld>
 </file>
 
@@ -14190,6 +14328,13 @@
   <p:clrMapOvr>
     <a:masterClrMapping/>
   </p:clrMapOvr>
+  <p:timing>
+    <p:tnLst>
+      <p:par>
+        <p:cTn id="1" dur="indefinite" restart="never" nodeType="tmRoot"/>
+      </p:par>
+    </p:tnLst>
+  </p:timing>
 </p:sld>
 </file>
 
@@ -14626,6 +14771,13 @@
   <p:clrMapOvr>
     <a:masterClrMapping/>
   </p:clrMapOvr>
+  <p:timing>
+    <p:tnLst>
+      <p:par>
+        <p:cTn id="1" dur="indefinite" restart="never" nodeType="tmRoot"/>
+      </p:par>
+    </p:tnLst>
+  </p:timing>
 </p:sld>
 </file>
 
@@ -15168,6 +15320,13 @@
   <p:clrMapOvr>
     <a:masterClrMapping/>
   </p:clrMapOvr>
+  <p:timing>
+    <p:tnLst>
+      <p:par>
+        <p:cTn id="1" dur="indefinite" restart="never" nodeType="tmRoot"/>
+      </p:par>
+    </p:tnLst>
+  </p:timing>
 </p:sld>
 </file>
 
@@ -15486,6 +15645,13 @@
   <p:clrMapOvr>
     <a:masterClrMapping/>
   </p:clrMapOvr>
+  <p:timing>
+    <p:tnLst>
+      <p:par>
+        <p:cTn id="1" dur="indefinite" restart="never" nodeType="tmRoot"/>
+      </p:par>
+    </p:tnLst>
+  </p:timing>
 </p:sld>
 </file>
 
@@ -15680,6 +15846,13 @@
   <p:clrMapOvr>
     <a:masterClrMapping/>
   </p:clrMapOvr>
+  <p:timing>
+    <p:tnLst>
+      <p:par>
+        <p:cTn id="1" dur="indefinite" restart="never" nodeType="tmRoot"/>
+      </p:par>
+    </p:tnLst>
+  </p:timing>
 </p:sld>
 </file>
 
@@ -15985,6 +16158,13 @@
   <p:clrMapOvr>
     <a:masterClrMapping/>
   </p:clrMapOvr>
+  <p:timing>
+    <p:tnLst>
+      <p:par>
+        <p:cTn id="1" dur="indefinite" restart="never" nodeType="tmRoot"/>
+      </p:par>
+    </p:tnLst>
+  </p:timing>
 </p:sld>
 </file>
 
@@ -16399,6 +16579,13 @@
   <p:clrMapOvr>
     <a:masterClrMapping/>
   </p:clrMapOvr>
+  <p:timing>
+    <p:tnLst>
+      <p:par>
+        <p:cTn id="1" dur="indefinite" restart="never" nodeType="tmRoot"/>
+      </p:par>
+    </p:tnLst>
+  </p:timing>
 </p:sld>
 </file>
 
@@ -16722,6 +16909,13 @@
   <p:clrMapOvr>
     <a:masterClrMapping/>
   </p:clrMapOvr>
+  <p:timing>
+    <p:tnLst>
+      <p:par>
+        <p:cTn id="1" dur="indefinite" restart="never" nodeType="tmRoot"/>
+      </p:par>
+    </p:tnLst>
+  </p:timing>
 </p:sld>
 </file>
 
@@ -16834,6 +17028,13 @@
   <p:clrMapOvr>
     <a:masterClrMapping/>
   </p:clrMapOvr>
+  <p:timing>
+    <p:tnLst>
+      <p:par>
+        <p:cTn id="1" dur="indefinite" restart="never" nodeType="tmRoot"/>
+      </p:par>
+    </p:tnLst>
+  </p:timing>
 </p:sld>
 </file>
 
@@ -17154,6 +17355,13 @@
   <p:clrMapOvr>
     <a:masterClrMapping/>
   </p:clrMapOvr>
+  <p:timing>
+    <p:tnLst>
+      <p:par>
+        <p:cTn id="1" dur="indefinite" restart="never" nodeType="tmRoot"/>
+      </p:par>
+    </p:tnLst>
+  </p:timing>
 </p:sld>
 </file>
 
@@ -17266,6 +17474,13 @@
   <p:clrMapOvr>
     <a:masterClrMapping/>
   </p:clrMapOvr>
+  <p:timing>
+    <p:tnLst>
+      <p:par>
+        <p:cTn id="1" dur="indefinite" restart="never" nodeType="tmRoot"/>
+      </p:par>
+    </p:tnLst>
+  </p:timing>
 </p:sld>
 </file>
 
@@ -17964,6 +18179,13 @@
   <p:clrMapOvr>
     <a:masterClrMapping/>
   </p:clrMapOvr>
+  <p:timing>
+    <p:tnLst>
+      <p:par>
+        <p:cTn id="1" dur="indefinite" restart="never" nodeType="tmRoot"/>
+      </p:par>
+    </p:tnLst>
+  </p:timing>
 </p:sld>
 </file>
 
@@ -18109,6 +18331,13 @@
   <p:clrMapOvr>
     <a:masterClrMapping/>
   </p:clrMapOvr>
+  <p:timing>
+    <p:tnLst>
+      <p:par>
+        <p:cTn id="1" dur="indefinite" restart="never" nodeType="tmRoot"/>
+      </p:par>
+    </p:tnLst>
+  </p:timing>
 </p:sld>
 </file>
 
@@ -18272,6 +18501,13 @@
   <p:clrMapOvr>
     <a:masterClrMapping/>
   </p:clrMapOvr>
+  <p:timing>
+    <p:tnLst>
+      <p:par>
+        <p:cTn id="1" dur="indefinite" restart="never" nodeType="tmRoot"/>
+      </p:par>
+    </p:tnLst>
+  </p:timing>
 </p:sld>
 </file>
 
@@ -18375,6 +18611,10 @@
             <a:r>
               <a:rPr lang="ko-KR" altLang="en-US" dirty="0"/>
               <a:t>솔루션</a:t>
+            </a:r>
+            <a:r>
+              <a:rPr lang="en-US" altLang="ko-KR" dirty="0"/>
+              <a:t/>
             </a:r>
             <a:br>
               <a:rPr lang="en-US" altLang="ko-KR" dirty="0"/>
@@ -18444,6 +18684,10 @@
               <a:rPr lang="ko-KR" altLang="en-US" dirty="0"/>
               <a:t>프로젝트</a:t>
             </a:r>
+            <a:r>
+              <a:rPr lang="en-US" altLang="ko-KR" dirty="0"/>
+              <a:t/>
+            </a:r>
             <a:br>
               <a:rPr lang="en-US" altLang="ko-KR" dirty="0"/>
             </a:br>
@@ -18462,6 +18706,10 @@
             <a:r>
               <a:rPr lang="ko-KR" altLang="en-US" dirty="0"/>
               <a:t>파일</a:t>
+            </a:r>
+            <a:r>
+              <a:rPr lang="en-US" altLang="ko-KR" dirty="0"/>
+              <a:t/>
             </a:r>
             <a:br>
               <a:rPr lang="en-US" altLang="ko-KR" dirty="0"/>
@@ -18720,6 +18968,10 @@
               <a:rPr lang="ko-KR" altLang="en-US" dirty="0"/>
               <a:t>프로젝트</a:t>
             </a:r>
+            <a:r>
+              <a:rPr lang="en-US" altLang="ko-KR" dirty="0"/>
+              <a:t/>
+            </a:r>
             <a:br>
               <a:rPr lang="en-US" altLang="ko-KR" dirty="0"/>
             </a:br>
@@ -18738,6 +18990,10 @@
             <a:r>
               <a:rPr lang="ko-KR" altLang="en-US" dirty="0"/>
               <a:t>파일</a:t>
+            </a:r>
+            <a:r>
+              <a:rPr lang="en-US" altLang="ko-KR" dirty="0"/>
+              <a:t/>
             </a:r>
             <a:br>
               <a:rPr lang="en-US" altLang="ko-KR" dirty="0"/>
@@ -18996,6 +19252,10 @@
               <a:rPr lang="ko-KR" altLang="en-US" dirty="0"/>
               <a:t>프로젝트</a:t>
             </a:r>
+            <a:r>
+              <a:rPr lang="en-US" altLang="ko-KR" dirty="0"/>
+              <a:t/>
+            </a:r>
             <a:br>
               <a:rPr lang="en-US" altLang="ko-KR" dirty="0"/>
             </a:br>
@@ -19014,6 +19274,10 @@
             <a:r>
               <a:rPr lang="ko-KR" altLang="en-US" dirty="0"/>
               <a:t>파일</a:t>
+            </a:r>
+            <a:r>
+              <a:rPr lang="en-US" altLang="ko-KR" dirty="0"/>
+              <a:t/>
             </a:r>
             <a:br>
               <a:rPr lang="en-US" altLang="ko-KR" dirty="0"/>
@@ -19272,6 +19536,10 @@
               <a:rPr lang="ko-KR" altLang="en-US" dirty="0"/>
               <a:t>프로젝트</a:t>
             </a:r>
+            <a:r>
+              <a:rPr lang="en-US" altLang="ko-KR" dirty="0"/>
+              <a:t/>
+            </a:r>
             <a:br>
               <a:rPr lang="en-US" altLang="ko-KR" dirty="0"/>
             </a:br>
@@ -19290,6 +19558,10 @@
             <a:r>
               <a:rPr lang="ko-KR" altLang="en-US" dirty="0"/>
               <a:t>파일</a:t>
+            </a:r>
+            <a:r>
+              <a:rPr lang="en-US" altLang="ko-KR" dirty="0"/>
+              <a:t/>
             </a:r>
             <a:br>
               <a:rPr lang="en-US" altLang="ko-KR" dirty="0"/>
@@ -20386,6 +20658,13 @@
   <p:clrMapOvr>
     <a:masterClrMapping/>
   </p:clrMapOvr>
+  <p:timing>
+    <p:tnLst>
+      <p:par>
+        <p:cTn id="1" dur="indefinite" restart="never" nodeType="tmRoot"/>
+      </p:par>
+    </p:tnLst>
+  </p:timing>
 </p:sld>
 </file>
 
@@ -20552,6 +20831,13 @@
   <p:clrMapOvr>
     <a:masterClrMapping/>
   </p:clrMapOvr>
+  <p:timing>
+    <p:tnLst>
+      <p:par>
+        <p:cTn id="1" dur="indefinite" restart="never" nodeType="tmRoot"/>
+      </p:par>
+    </p:tnLst>
+  </p:timing>
 </p:sld>
 </file>
 
@@ -20681,6 +20967,13 @@
   <p:clrMapOvr>
     <a:masterClrMapping/>
   </p:clrMapOvr>
+  <p:timing>
+    <p:tnLst>
+      <p:par>
+        <p:cTn id="1" dur="indefinite" restart="never" nodeType="tmRoot"/>
+      </p:par>
+    </p:tnLst>
+  </p:timing>
 </p:sld>
 </file>
 
@@ -20810,6 +21103,13 @@
   <p:clrMapOvr>
     <a:masterClrMapping/>
   </p:clrMapOvr>
+  <p:timing>
+    <p:tnLst>
+      <p:par>
+        <p:cTn id="1" dur="indefinite" restart="never" nodeType="tmRoot"/>
+      </p:par>
+    </p:tnLst>
+  </p:timing>
 </p:sld>
 </file>
 
@@ -20939,6 +21239,13 @@
   <p:clrMapOvr>
     <a:masterClrMapping/>
   </p:clrMapOvr>
+  <p:timing>
+    <p:tnLst>
+      <p:par>
+        <p:cTn id="1" dur="indefinite" restart="never" nodeType="tmRoot"/>
+      </p:par>
+    </p:tnLst>
+  </p:timing>
 </p:sld>
 </file>
 
@@ -21068,6 +21375,13 @@
   <p:clrMapOvr>
     <a:masterClrMapping/>
   </p:clrMapOvr>
+  <p:timing>
+    <p:tnLst>
+      <p:par>
+        <p:cTn id="1" dur="indefinite" restart="never" nodeType="tmRoot"/>
+      </p:par>
+    </p:tnLst>
+  </p:timing>
 </p:sld>
 </file>
 
@@ -21180,6 +21494,13 @@
   <p:clrMapOvr>
     <a:masterClrMapping/>
   </p:clrMapOvr>
+  <p:timing>
+    <p:tnLst>
+      <p:par>
+        <p:cTn id="1" dur="indefinite" restart="never" nodeType="tmRoot"/>
+      </p:par>
+    </p:tnLst>
+  </p:timing>
 </p:sld>
 </file>
 
@@ -21297,6 +21618,13 @@
   <p:clrMapOvr>
     <a:masterClrMapping/>
   </p:clrMapOvr>
+  <p:timing>
+    <p:tnLst>
+      <p:par>
+        <p:cTn id="1" dur="indefinite" restart="never" nodeType="tmRoot"/>
+      </p:par>
+    </p:tnLst>
+  </p:timing>
 </p:sld>
 </file>
 
@@ -21634,6 +21962,13 @@
   <p:clrMapOvr>
     <a:masterClrMapping/>
   </p:clrMapOvr>
+  <p:timing>
+    <p:tnLst>
+      <p:par>
+        <p:cTn id="1" dur="indefinite" restart="never" nodeType="tmRoot"/>
+      </p:par>
+    </p:tnLst>
+  </p:timing>
 </p:sld>
 </file>
 
@@ -21711,6 +22046,10 @@
               <a:rPr lang="ko-KR" altLang="en-US" dirty="0" err="1"/>
               <a:t>콜렉션은</a:t>
             </a:r>
+            <a:r>
+              <a:rPr lang="en-US" altLang="ko-KR" dirty="0"/>
+              <a:t/>
+            </a:r>
             <a:br>
               <a:rPr lang="en-US" altLang="ko-KR" dirty="0"/>
             </a:br>
@@ -21857,6 +22196,13 @@
   <p:clrMapOvr>
     <a:masterClrMapping/>
   </p:clrMapOvr>
+  <p:timing>
+    <p:tnLst>
+      <p:par>
+        <p:cTn id="1" dur="indefinite" restart="never" nodeType="tmRoot"/>
+      </p:par>
+    </p:tnLst>
+  </p:timing>
 </p:sld>
 </file>
 
@@ -21956,6 +22302,13 @@
   <p:clrMapOvr>
     <a:masterClrMapping/>
   </p:clrMapOvr>
+  <p:timing>
+    <p:tnLst>
+      <p:par>
+        <p:cTn id="1" dur="indefinite" restart="never" nodeType="tmRoot"/>
+      </p:par>
+    </p:tnLst>
+  </p:timing>
 </p:sld>
 </file>
 
@@ -22151,6 +22504,13 @@
   <p:clrMapOvr>
     <a:masterClrMapping/>
   </p:clrMapOvr>
+  <p:timing>
+    <p:tnLst>
+      <p:par>
+        <p:cTn id="1" dur="indefinite" restart="never" nodeType="tmRoot"/>
+      </p:par>
+    </p:tnLst>
+  </p:timing>
 </p:sld>
 </file>
 
@@ -22212,6 +22572,10 @@
             <a:r>
               <a:rPr lang="ko-KR" altLang="en-US" dirty="0"/>
               <a:t>정의가 있는 것처럼</a:t>
+            </a:r>
+            <a:r>
+              <a:rPr lang="en-US" altLang="ko-KR" dirty="0"/>
+              <a:t/>
             </a:r>
             <a:br>
               <a:rPr lang="en-US" altLang="ko-KR" dirty="0"/>
@@ -22446,6 +22810,13 @@
   <p:clrMapOvr>
     <a:masterClrMapping/>
   </p:clrMapOvr>
+  <p:timing>
+    <p:tnLst>
+      <p:par>
+        <p:cTn id="1" dur="indefinite" restart="never" nodeType="tmRoot"/>
+      </p:par>
+    </p:tnLst>
+  </p:timing>
 </p:sld>
 </file>
 
@@ -22734,6 +23105,13 @@
   <p:clrMapOvr>
     <a:masterClrMapping/>
   </p:clrMapOvr>
+  <p:timing>
+    <p:tnLst>
+      <p:par>
+        <p:cTn id="1" dur="indefinite" restart="never" nodeType="tmRoot"/>
+      </p:par>
+    </p:tnLst>
+  </p:timing>
 </p:sld>
 </file>
 
@@ -22772,7 +23150,7 @@
         </p:nvSpPr>
         <p:spPr>
           <a:xfrm>
-            <a:off x="261878" y="945782"/>
+            <a:off x="244625" y="1135563"/>
             <a:ext cx="11252719" cy="4830228"/>
           </a:xfrm>
         </p:spPr>
@@ -22970,6 +23348,13 @@
   <p:clrMapOvr>
     <a:masterClrMapping/>
   </p:clrMapOvr>
+  <p:timing>
+    <p:tnLst>
+      <p:par>
+        <p:cTn id="1" dur="indefinite" restart="never" nodeType="tmRoot"/>
+      </p:par>
+    </p:tnLst>
+  </p:timing>
 </p:sld>
 </file>
 
@@ -23068,6 +23453,13 @@
   <p:clrMapOvr>
     <a:masterClrMapping/>
   </p:clrMapOvr>
+  <p:timing>
+    <p:tnLst>
+      <p:par>
+        <p:cTn id="1" dur="indefinite" restart="never" nodeType="tmRoot"/>
+      </p:par>
+    </p:tnLst>
+  </p:timing>
 </p:sld>
 </file>
 
@@ -23164,6 +23556,13 @@
   <p:clrMapOvr>
     <a:masterClrMapping/>
   </p:clrMapOvr>
+  <p:timing>
+    <p:tnLst>
+      <p:par>
+        <p:cTn id="1" dur="indefinite" restart="never" nodeType="tmRoot"/>
+      </p:par>
+    </p:tnLst>
+  </p:timing>
 </p:sld>
 </file>
 
@@ -25716,6 +26115,10 @@
               <a:rPr lang="ko-KR" altLang="en-US" sz="2400" dirty="0"/>
               <a:t>를 보고 만든 </a:t>
             </a:r>
+            <a:r>
+              <a:rPr lang="en-US" altLang="ko-KR" sz="2400" dirty="0"/>
+              <a:t/>
+            </a:r>
             <a:br>
               <a:rPr lang="en-US" altLang="ko-KR" sz="2400" dirty="0"/>
             </a:br>
@@ -25846,6 +26249,13 @@
   <p:clrMapOvr>
     <a:masterClrMapping/>
   </p:clrMapOvr>
+  <p:timing>
+    <p:tnLst>
+      <p:par>
+        <p:cTn id="1" dur="indefinite" restart="never" nodeType="tmRoot"/>
+      </p:par>
+    </p:tnLst>
+  </p:timing>
 </p:sld>
 </file>
 
@@ -30390,6 +30800,13 @@
   <p:clrMapOvr>
     <a:masterClrMapping/>
   </p:clrMapOvr>
+  <p:timing>
+    <p:tnLst>
+      <p:par>
+        <p:cTn id="1" dur="indefinite" restart="never" nodeType="tmRoot"/>
+      </p:par>
+    </p:tnLst>
+  </p:timing>
 </p:sld>
 </file>
 
